--- a/specification_documentation/Design.pptx
+++ b/specification_documentation/Design.pptx
@@ -13,6 +13,9 @@
     <p:sldId id="259" r:id="rId7"/>
     <p:sldId id="260" r:id="rId8"/>
     <p:sldId id="263" r:id="rId9"/>
+    <p:sldId id="264" r:id="rId10"/>
+    <p:sldId id="265" r:id="rId11"/>
+    <p:sldId id="266" r:id="rId12"/>
   </p:sldIdLst>
   <p:sldSz cx="12192000" cy="6858000"/>
   <p:notesSz cx="6858000" cy="9144000"/>
@@ -111,6 +114,11 @@
       </a:defRPr>
     </a:lvl9pPr>
   </p:defaultTextStyle>
+  <p:extLst>
+    <p:ext uri="{EFAFB233-063F-42B5-8137-9DF3F51BA10A}">
+      <p15:sldGuideLst xmlns:p15="http://schemas.microsoft.com/office/powerpoint/2012/main"/>
+    </p:ext>
+  </p:extLst>
 </p:presentation>
 </file>
 
@@ -3504,6 +3512,222 @@
 </p:sld>
 </file>
 
+<file path=ppt/slides/slide10.xml><?xml version="1.0" encoding="utf-8"?>
+<p:sld xmlns:a="http://schemas.openxmlformats.org/drawingml/2006/main" xmlns:r="http://schemas.openxmlformats.org/officeDocument/2006/relationships" xmlns:p="http://schemas.openxmlformats.org/presentationml/2006/main">
+  <p:cSld>
+    <p:spTree>
+      <p:nvGrpSpPr>
+        <p:cNvPr id="1" name=""/>
+        <p:cNvGrpSpPr/>
+        <p:nvPr/>
+      </p:nvGrpSpPr>
+      <p:grpSpPr>
+        <a:xfrm>
+          <a:off x="0" y="0"/>
+          <a:ext cx="0" cy="0"/>
+          <a:chOff x="0" y="0"/>
+          <a:chExt cx="0" cy="0"/>
+        </a:xfrm>
+      </p:grpSpPr>
+      <p:pic>
+        <p:nvPicPr>
+          <p:cNvPr id="10" name="Content Placeholder 7">
+            <a:extLst>
+              <a:ext uri="{FF2B5EF4-FFF2-40B4-BE49-F238E27FC236}">
+                <a16:creationId xmlns:a16="http://schemas.microsoft.com/office/drawing/2014/main" id="{35F55DF8-7042-A598-779F-C710B60E7E21}"/>
+              </a:ext>
+            </a:extLst>
+          </p:cNvPr>
+          <p:cNvPicPr>
+            <a:picLocks noGrp="1" noChangeAspect="1"/>
+          </p:cNvPicPr>
+          <p:nvPr>
+            <p:ph idx="1"/>
+          </p:nvPr>
+        </p:nvPicPr>
+        <p:blipFill>
+          <a:blip r:embed="rId2">
+            <a:extLst>
+              <a:ext uri="{28A0092B-C50C-407E-A947-70E740481C1C}">
+                <a14:useLocalDpi xmlns:a14="http://schemas.microsoft.com/office/drawing/2010/main" val="0"/>
+              </a:ext>
+            </a:extLst>
+          </a:blip>
+          <a:stretch>
+            <a:fillRect/>
+          </a:stretch>
+        </p:blipFill>
+        <p:spPr>
+          <a:xfrm>
+            <a:off x="0" y="33762"/>
+            <a:ext cx="12192000" cy="6852157"/>
+          </a:xfrm>
+        </p:spPr>
+      </p:pic>
+      <p:pic>
+        <p:nvPicPr>
+          <p:cNvPr id="8" name="Picture 7">
+            <a:extLst>
+              <a:ext uri="{FF2B5EF4-FFF2-40B4-BE49-F238E27FC236}">
+                <a16:creationId xmlns:a16="http://schemas.microsoft.com/office/drawing/2014/main" id="{9C38A459-F9B3-9527-FF2A-9CC5CDDCA969}"/>
+              </a:ext>
+            </a:extLst>
+          </p:cNvPr>
+          <p:cNvPicPr>
+            <a:picLocks noChangeAspect="1"/>
+          </p:cNvPicPr>
+          <p:nvPr/>
+        </p:nvPicPr>
+        <p:blipFill>
+          <a:blip r:embed="rId3">
+            <a:extLst>
+              <a:ext uri="{28A0092B-C50C-407E-A947-70E740481C1C}">
+                <a14:useLocalDpi xmlns:a14="http://schemas.microsoft.com/office/drawing/2010/main" val="0"/>
+              </a:ext>
+            </a:extLst>
+          </a:blip>
+          <a:stretch>
+            <a:fillRect/>
+          </a:stretch>
+        </p:blipFill>
+        <p:spPr>
+          <a:xfrm>
+            <a:off x="526129" y="933268"/>
+            <a:ext cx="7254105" cy="4601993"/>
+          </a:xfrm>
+          <a:prstGeom prst="rect">
+            <a:avLst/>
+          </a:prstGeom>
+          <a:ln>
+            <a:noFill/>
+          </a:ln>
+          <a:effectLst>
+            <a:outerShdw blurRad="292100" dist="139700" dir="2700000" algn="tl" rotWithShape="0">
+              <a:srgbClr val="333333">
+                <a:alpha val="65000"/>
+              </a:srgbClr>
+            </a:outerShdw>
+          </a:effectLst>
+        </p:spPr>
+      </p:pic>
+      <p:pic>
+        <p:nvPicPr>
+          <p:cNvPr id="9" name="Graphic 8" descr="Cursor with solid fill">
+            <a:extLst>
+              <a:ext uri="{FF2B5EF4-FFF2-40B4-BE49-F238E27FC236}">
+                <a16:creationId xmlns:a16="http://schemas.microsoft.com/office/drawing/2014/main" id="{D4E212F2-F312-0C8C-209A-FF291B3E426E}"/>
+              </a:ext>
+            </a:extLst>
+          </p:cNvPr>
+          <p:cNvPicPr>
+            <a:picLocks noChangeAspect="1"/>
+          </p:cNvPicPr>
+          <p:nvPr/>
+        </p:nvPicPr>
+        <p:blipFill>
+          <a:blip r:embed="rId4">
+            <a:extLst>
+              <a:ext uri="{28A0092B-C50C-407E-A947-70E740481C1C}">
+                <a14:useLocalDpi xmlns:a14="http://schemas.microsoft.com/office/drawing/2010/main" val="0"/>
+              </a:ext>
+              <a:ext uri="{96DAC541-7B7A-43D3-8B79-37D633B846F1}">
+                <asvg:svgBlip xmlns:asvg="http://schemas.microsoft.com/office/drawing/2016/SVG/main" r:embed="rId5"/>
+              </a:ext>
+            </a:extLst>
+          </a:blip>
+          <a:stretch>
+            <a:fillRect/>
+          </a:stretch>
+        </p:blipFill>
+        <p:spPr>
+          <a:xfrm>
+            <a:off x="6315294" y="5298519"/>
+            <a:ext cx="301308" cy="301308"/>
+          </a:xfrm>
+          <a:prstGeom prst="rect">
+            <a:avLst/>
+          </a:prstGeom>
+        </p:spPr>
+      </p:pic>
+    </p:spTree>
+    <p:extLst>
+      <p:ext uri="{BB962C8B-B14F-4D97-AF65-F5344CB8AC3E}">
+        <p14:creationId xmlns:p14="http://schemas.microsoft.com/office/powerpoint/2010/main" val="1578996475"/>
+      </p:ext>
+    </p:extLst>
+  </p:cSld>
+  <p:clrMapOvr>
+    <a:masterClrMapping/>
+  </p:clrMapOvr>
+</p:sld>
+</file>
+
+<file path=ppt/slides/slide11.xml><?xml version="1.0" encoding="utf-8"?>
+<p:sld xmlns:a="http://schemas.openxmlformats.org/drawingml/2006/main" xmlns:r="http://schemas.openxmlformats.org/officeDocument/2006/relationships" xmlns:p="http://schemas.openxmlformats.org/presentationml/2006/main">
+  <p:cSld>
+    <p:spTree>
+      <p:nvGrpSpPr>
+        <p:cNvPr id="1" name=""/>
+        <p:cNvGrpSpPr/>
+        <p:nvPr/>
+      </p:nvGrpSpPr>
+      <p:grpSpPr>
+        <a:xfrm>
+          <a:off x="0" y="0"/>
+          <a:ext cx="0" cy="0"/>
+          <a:chOff x="0" y="0"/>
+          <a:chExt cx="0" cy="0"/>
+        </a:xfrm>
+      </p:grpSpPr>
+      <p:pic>
+        <p:nvPicPr>
+          <p:cNvPr id="5" name="Picture 4">
+            <a:extLst>
+              <a:ext uri="{FF2B5EF4-FFF2-40B4-BE49-F238E27FC236}">
+                <a16:creationId xmlns:a16="http://schemas.microsoft.com/office/drawing/2014/main" id="{B2202CB2-C6A4-CF66-E912-9FDDD4D42D7F}"/>
+              </a:ext>
+            </a:extLst>
+          </p:cNvPr>
+          <p:cNvPicPr>
+            <a:picLocks noChangeAspect="1"/>
+          </p:cNvPicPr>
+          <p:nvPr/>
+        </p:nvPicPr>
+        <p:blipFill>
+          <a:blip r:embed="rId2">
+            <a:extLst>
+              <a:ext uri="{28A0092B-C50C-407E-A947-70E740481C1C}">
+                <a14:useLocalDpi xmlns:a14="http://schemas.microsoft.com/office/drawing/2010/main" val="0"/>
+              </a:ext>
+            </a:extLst>
+          </a:blip>
+          <a:stretch>
+            <a:fillRect/>
+          </a:stretch>
+        </p:blipFill>
+        <p:spPr>
+          <a:xfrm>
+            <a:off x="0" y="0"/>
+            <a:ext cx="12191999" cy="6858000"/>
+          </a:xfrm>
+          <a:prstGeom prst="rect">
+            <a:avLst/>
+          </a:prstGeom>
+        </p:spPr>
+      </p:pic>
+    </p:spTree>
+    <p:extLst>
+      <p:ext uri="{BB962C8B-B14F-4D97-AF65-F5344CB8AC3E}">
+        <p14:creationId xmlns:p14="http://schemas.microsoft.com/office/powerpoint/2010/main" val="1270291465"/>
+      </p:ext>
+    </p:extLst>
+  </p:cSld>
+  <p:clrMapOvr>
+    <a:masterClrMapping/>
+  </p:clrMapOvr>
+</p:sld>
+</file>
+
 <file path=ppt/slides/slide2.xml><?xml version="1.0" encoding="utf-8"?>
 <p:sld xmlns:a="http://schemas.openxmlformats.org/drawingml/2006/main" xmlns:r="http://schemas.openxmlformats.org/officeDocument/2006/relationships" xmlns:p="http://schemas.openxmlformats.org/presentationml/2006/main">
   <p:cSld>
@@ -4227,6 +4451,135 @@
     <p:extLst>
       <p:ext uri="{BB962C8B-B14F-4D97-AF65-F5344CB8AC3E}">
         <p14:creationId xmlns:p14="http://schemas.microsoft.com/office/powerpoint/2010/main" val="2559595194"/>
+      </p:ext>
+    </p:extLst>
+  </p:cSld>
+  <p:clrMapOvr>
+    <a:masterClrMapping/>
+  </p:clrMapOvr>
+</p:sld>
+</file>
+
+<file path=ppt/slides/slide9.xml><?xml version="1.0" encoding="utf-8"?>
+<p:sld xmlns:a="http://schemas.openxmlformats.org/drawingml/2006/main" xmlns:r="http://schemas.openxmlformats.org/officeDocument/2006/relationships" xmlns:p="http://schemas.openxmlformats.org/presentationml/2006/main">
+  <p:cSld>
+    <p:spTree>
+      <p:nvGrpSpPr>
+        <p:cNvPr id="1" name=""/>
+        <p:cNvGrpSpPr/>
+        <p:nvPr/>
+      </p:nvGrpSpPr>
+      <p:grpSpPr>
+        <a:xfrm>
+          <a:off x="0" y="0"/>
+          <a:ext cx="0" cy="0"/>
+          <a:chOff x="0" y="0"/>
+          <a:chExt cx="0" cy="0"/>
+        </a:xfrm>
+      </p:grpSpPr>
+      <p:sp>
+        <p:nvSpPr>
+          <p:cNvPr id="2" name="Title 1">
+            <a:extLst>
+              <a:ext uri="{FF2B5EF4-FFF2-40B4-BE49-F238E27FC236}">
+                <a16:creationId xmlns:a16="http://schemas.microsoft.com/office/drawing/2014/main" id="{9423295E-BC28-631C-FFA7-B9BD67A3499D}"/>
+              </a:ext>
+            </a:extLst>
+          </p:cNvPr>
+          <p:cNvSpPr>
+            <a:spLocks noGrp="1"/>
+          </p:cNvSpPr>
+          <p:nvPr>
+            <p:ph type="title"/>
+          </p:nvPr>
+        </p:nvSpPr>
+        <p:spPr/>
+        <p:txBody>
+          <a:bodyPr/>
+          <a:lstStyle/>
+          <a:p>
+            <a:endParaRPr lang="en-IN"/>
+          </a:p>
+        </p:txBody>
+      </p:sp>
+      <p:pic>
+        <p:nvPicPr>
+          <p:cNvPr id="6" name="Graphic 5" descr="Cursor with solid fill">
+            <a:extLst>
+              <a:ext uri="{FF2B5EF4-FFF2-40B4-BE49-F238E27FC236}">
+                <a16:creationId xmlns:a16="http://schemas.microsoft.com/office/drawing/2014/main" id="{5F0D3F17-E085-403A-079A-34D1C99CD43F}"/>
+              </a:ext>
+            </a:extLst>
+          </p:cNvPr>
+          <p:cNvPicPr>
+            <a:picLocks noChangeAspect="1"/>
+          </p:cNvPicPr>
+          <p:nvPr/>
+        </p:nvPicPr>
+        <p:blipFill>
+          <a:blip r:embed="rId2">
+            <a:extLst>
+              <a:ext uri="{28A0092B-C50C-407E-A947-70E740481C1C}">
+                <a14:useLocalDpi xmlns:a14="http://schemas.microsoft.com/office/drawing/2010/main" val="0"/>
+              </a:ext>
+              <a:ext uri="{96DAC541-7B7A-43D3-8B79-37D633B846F1}">
+                <asvg:svgBlip xmlns:asvg="http://schemas.microsoft.com/office/drawing/2016/SVG/main" r:embed="rId3"/>
+              </a:ext>
+            </a:extLst>
+          </a:blip>
+          <a:stretch>
+            <a:fillRect/>
+          </a:stretch>
+        </p:blipFill>
+        <p:spPr>
+          <a:xfrm>
+            <a:off x="9672746" y="6059356"/>
+            <a:ext cx="301308" cy="301308"/>
+          </a:xfrm>
+          <a:prstGeom prst="rect">
+            <a:avLst/>
+          </a:prstGeom>
+        </p:spPr>
+      </p:pic>
+      <p:pic>
+        <p:nvPicPr>
+          <p:cNvPr id="12" name="Content Placeholder 11">
+            <a:extLst>
+              <a:ext uri="{FF2B5EF4-FFF2-40B4-BE49-F238E27FC236}">
+                <a16:creationId xmlns:a16="http://schemas.microsoft.com/office/drawing/2014/main" id="{D0893547-59A2-6AA6-D0CA-52B5315D913C}"/>
+              </a:ext>
+            </a:extLst>
+          </p:cNvPr>
+          <p:cNvPicPr>
+            <a:picLocks noGrp="1" noChangeAspect="1"/>
+          </p:cNvPicPr>
+          <p:nvPr>
+            <p:ph idx="1"/>
+          </p:nvPr>
+        </p:nvPicPr>
+        <p:blipFill>
+          <a:blip r:embed="rId4">
+            <a:extLst>
+              <a:ext uri="{28A0092B-C50C-407E-A947-70E740481C1C}">
+                <a14:useLocalDpi xmlns:a14="http://schemas.microsoft.com/office/drawing/2010/main" val="0"/>
+              </a:ext>
+            </a:extLst>
+          </a:blip>
+          <a:stretch>
+            <a:fillRect/>
+          </a:stretch>
+        </p:blipFill>
+        <p:spPr>
+          <a:xfrm>
+            <a:off x="0" y="-2730"/>
+            <a:ext cx="12192000" cy="6860729"/>
+          </a:xfrm>
+        </p:spPr>
+      </p:pic>
+    </p:spTree>
+    <p:extLst>
+      <p:ext uri="{BB962C8B-B14F-4D97-AF65-F5344CB8AC3E}">
+        <p14:creationId xmlns:p14="http://schemas.microsoft.com/office/powerpoint/2010/main" val="1863661904"/>
       </p:ext>
     </p:extLst>
   </p:cSld>
